--- a/static/static/templates/alceon-template.pptx
+++ b/static/static/templates/alceon-template.pptx
@@ -8183,7 +8183,7 @@
           <a:p>
             <a:r>
               <a:rPr lang="en-AU" dirty="0"/>
-              <a:t>July 2025: to edit, go to 'Insert &gt; Header &amp; Footer'</a:t>
+              <a:t>[Date]</a:t>
             </a:r>
             <a:endParaRPr lang="en-US" dirty="0"/>
           </a:p>
@@ -8983,12 +8983,6 @@
 </file>
 
 <file path=customXml/item1.xml><?xml version="1.0" encoding="utf-8"?>
-<p:properties xmlns:p="http://schemas.microsoft.com/office/2006/metadata/properties" xmlns:xsi="http://www.w3.org/2001/XMLSchema-instance" xmlns:pc="http://schemas.microsoft.com/office/infopath/2007/PartnerControls">
-  <documentManagement/>
-</p:properties>
-</file>
-
-<file path=customXml/item2.xml><?xml version="1.0" encoding="utf-8"?>
 <ct:contentTypeSchema xmlns:ct="http://schemas.microsoft.com/office/2006/metadata/contentType" xmlns:ma="http://schemas.microsoft.com/office/2006/metadata/properties/metaAttributes" ct:_="" ma:_="" ma:contentTypeName="Document" ma:contentTypeID="0x0101004119EA1525AB5D42B084B31316C4C187" ma:contentTypeVersion="3" ma:contentTypeDescription="Create a new document." ma:contentTypeScope="" ma:versionID="12d6e342ade6c5e3ff026dec3c15c2ae">
   <xsd:schema xmlns:xsd="http://www.w3.org/2001/XMLSchema" xmlns:xs="http://www.w3.org/2001/XMLSchema" xmlns:p="http://schemas.microsoft.com/office/2006/metadata/properties" xmlns:ns2="39772a7d-9353-45bc-8aa5-0194eb37d925" targetNamespace="http://schemas.microsoft.com/office/2006/metadata/properties" ma:root="true" ma:fieldsID="551189c7b7db8219ed0add0532158fc5" ns2:_="">
     <xsd:import namespace="39772a7d-9353-45bc-8aa5-0194eb37d925"/>
@@ -9126,6 +9120,12 @@
 </ct:contentTypeSchema>
 </file>
 
+<file path=customXml/item2.xml><?xml version="1.0" encoding="utf-8"?>
+<p:properties xmlns:p="http://schemas.microsoft.com/office/2006/metadata/properties" xmlns:xsi="http://www.w3.org/2001/XMLSchema-instance" xmlns:pc="http://schemas.microsoft.com/office/infopath/2007/PartnerControls">
+  <documentManagement/>
+</p:properties>
+</file>
+
 <file path=customXml/item3.xml><?xml version="1.0" encoding="utf-8"?>
 <?mso-contentType ?>
 <FormTemplates xmlns="http://schemas.microsoft.com/sharepoint/v3/contenttype/forms">
@@ -9136,17 +9136,6 @@
 </file>
 
 <file path=customXml/itemProps1.xml><?xml version="1.0" encoding="utf-8"?>
-<ds:datastoreItem xmlns:ds="http://schemas.openxmlformats.org/officeDocument/2006/customXml" ds:itemID="{5FEF904A-F767-44D7-A66D-3373678D48B6}">
-  <ds:schemaRefs>
-    <ds:schemaRef ds:uri="35d6598b-d0e0-49ee-87c4-001cac5c020c"/>
-    <ds:schemaRef ds:uri="d5c13d2f-4140-4200-8996-35030bd1cc7f"/>
-    <ds:schemaRef ds:uri="http://schemas.microsoft.com/office/2006/metadata/properties"/>
-    <ds:schemaRef ds:uri="http://schemas.microsoft.com/office/infopath/2007/PartnerControls"/>
-  </ds:schemaRefs>
-</ds:datastoreItem>
-</file>
-
-<file path=customXml/itemProps2.xml><?xml version="1.0" encoding="utf-8"?>
 <ds:datastoreItem xmlns:ds="http://schemas.openxmlformats.org/officeDocument/2006/customXml" ds:itemID="{6985D9A6-429B-4D68-A091-9392C02FB3C8}">
   <ds:schemaRefs>
     <ds:schemaRef ds:uri="http://schemas.microsoft.com/office/2006/metadata/contentType"/>
@@ -9164,6 +9153,17 @@
 </ds:datastoreItem>
 </file>
 
+<file path=customXml/itemProps2.xml><?xml version="1.0" encoding="utf-8"?>
+<ds:datastoreItem xmlns:ds="http://schemas.openxmlformats.org/officeDocument/2006/customXml" ds:itemID="{5FEF904A-F767-44D7-A66D-3373678D48B6}">
+  <ds:schemaRefs>
+    <ds:schemaRef ds:uri="35d6598b-d0e0-49ee-87c4-001cac5c020c"/>
+    <ds:schemaRef ds:uri="d5c13d2f-4140-4200-8996-35030bd1cc7f"/>
+    <ds:schemaRef ds:uri="http://schemas.microsoft.com/office/2006/metadata/properties"/>
+    <ds:schemaRef ds:uri="http://schemas.microsoft.com/office/infopath/2007/PartnerControls"/>
+  </ds:schemaRefs>
+</ds:datastoreItem>
+</file>
+
 <file path=customXml/itemProps3.xml><?xml version="1.0" encoding="utf-8"?>
 <ds:datastoreItem xmlns:ds="http://schemas.openxmlformats.org/officeDocument/2006/customXml" ds:itemID="{A7D2A2D3-BEBB-4817-BBC5-408F9E48834D}">
   <ds:schemaRefs>
